--- a/Presentation/The Walking Dead.pptx
+++ b/Presentation/The Walking Dead.pptx
@@ -11,16 +11,21 @@
     <p:sldId id="260" r:id="rId5"/>
     <p:sldId id="261" r:id="rId6"/>
     <p:sldId id="262" r:id="rId7"/>
-    <p:sldId id="263" r:id="rId8"/>
-    <p:sldId id="264" r:id="rId9"/>
-    <p:sldId id="265" r:id="rId10"/>
-    <p:sldId id="266" r:id="rId11"/>
-    <p:sldId id="267" r:id="rId12"/>
-    <p:sldId id="271" r:id="rId13"/>
-    <p:sldId id="272" r:id="rId14"/>
-    <p:sldId id="268" r:id="rId15"/>
-    <p:sldId id="269" r:id="rId16"/>
-    <p:sldId id="270" r:id="rId17"/>
+    <p:sldId id="275" r:id="rId8"/>
+    <p:sldId id="276" r:id="rId9"/>
+    <p:sldId id="277" r:id="rId10"/>
+    <p:sldId id="278" r:id="rId11"/>
+    <p:sldId id="263" r:id="rId12"/>
+    <p:sldId id="264" r:id="rId13"/>
+    <p:sldId id="265" r:id="rId14"/>
+    <p:sldId id="266" r:id="rId15"/>
+    <p:sldId id="267" r:id="rId16"/>
+    <p:sldId id="271" r:id="rId17"/>
+    <p:sldId id="272" r:id="rId18"/>
+    <p:sldId id="273" r:id="rId19"/>
+    <p:sldId id="268" r:id="rId20"/>
+    <p:sldId id="269" r:id="rId21"/>
+    <p:sldId id="274" r:id="rId22"/>
   </p:sldIdLst>
   <p:sldSz cx="12192000" cy="6858000"/>
   <p:notesSz cx="6858000" cy="9144000"/>
@@ -119,6 +124,11 @@
       </a:defRPr>
     </a:lvl9pPr>
   </p:defaultTextStyle>
+  <p:extLst>
+    <p:ext uri="{EFAFB233-063F-42B5-8137-9DF3F51BA10A}">
+      <p15:sldGuideLst xmlns:p15="http://schemas.microsoft.com/office/powerpoint/2012/main"/>
+    </p:ext>
+  </p:extLst>
 </p:presentation>
 </file>
 
@@ -311,7 +321,7 @@
             <a:fld id="{B61BEF0D-F0BB-DE4B-95CE-6DB70DBA9567}" type="datetimeFigureOut">
               <a:rPr lang="en-US" dirty="0"/>
               <a:pPr/>
-              <a:t>11/29/2018</a:t>
+              <a:t>11/30/2018</a:t>
             </a:fld>
             <a:endParaRPr lang="en-US" dirty="0"/>
           </a:p>
@@ -646,7 +656,7 @@
             <a:fld id="{B61BEF0D-F0BB-DE4B-95CE-6DB70DBA9567}" type="datetimeFigureOut">
               <a:rPr lang="en-US" dirty="0"/>
               <a:pPr/>
-              <a:t>11/29/2018</a:t>
+              <a:t>11/30/2018</a:t>
             </a:fld>
             <a:endParaRPr lang="en-US" dirty="0"/>
           </a:p>
@@ -1044,7 +1054,7 @@
             <a:fld id="{B61BEF0D-F0BB-DE4B-95CE-6DB70DBA9567}" type="datetimeFigureOut">
               <a:rPr lang="en-US" dirty="0"/>
               <a:pPr/>
-              <a:t>11/29/2018</a:t>
+              <a:t>11/30/2018</a:t>
             </a:fld>
             <a:endParaRPr lang="en-US" dirty="0"/>
           </a:p>
@@ -1377,7 +1387,7 @@
             <a:fld id="{B61BEF0D-F0BB-DE4B-95CE-6DB70DBA9567}" type="datetimeFigureOut">
               <a:rPr lang="en-US" dirty="0"/>
               <a:pPr/>
-              <a:t>11/29/2018</a:t>
+              <a:t>11/30/2018</a:t>
             </a:fld>
             <a:endParaRPr lang="en-US" dirty="0"/>
           </a:p>
@@ -1694,7 +1704,7 @@
             <a:fld id="{B61BEF0D-F0BB-DE4B-95CE-6DB70DBA9567}" type="datetimeFigureOut">
               <a:rPr lang="en-US" dirty="0"/>
               <a:pPr/>
-              <a:t>11/29/2018</a:t>
+              <a:t>11/30/2018</a:t>
             </a:fld>
             <a:endParaRPr lang="en-US" dirty="0"/>
           </a:p>
@@ -2087,7 +2097,7 @@
             <a:fld id="{B61BEF0D-F0BB-DE4B-95CE-6DB70DBA9567}" type="datetimeFigureOut">
               <a:rPr lang="en-US" dirty="0"/>
               <a:pPr/>
-              <a:t>11/29/2018</a:t>
+              <a:t>11/30/2018</a:t>
             </a:fld>
             <a:endParaRPr lang="en-US" dirty="0"/>
           </a:p>
@@ -2341,7 +2351,7 @@
             <a:fld id="{B61BEF0D-F0BB-DE4B-95CE-6DB70DBA9567}" type="datetimeFigureOut">
               <a:rPr lang="en-US" dirty="0"/>
               <a:pPr/>
-              <a:t>11/29/2018</a:t>
+              <a:t>11/30/2018</a:t>
             </a:fld>
             <a:endParaRPr lang="en-US" dirty="0"/>
           </a:p>
@@ -2600,7 +2610,7 @@
             <a:fld id="{B61BEF0D-F0BB-DE4B-95CE-6DB70DBA9567}" type="datetimeFigureOut">
               <a:rPr lang="en-US" dirty="0"/>
               <a:pPr/>
-              <a:t>11/29/2018</a:t>
+              <a:t>11/30/2018</a:t>
             </a:fld>
             <a:endParaRPr lang="en-US" dirty="0"/>
           </a:p>
@@ -2859,7 +2869,7 @@
             <a:fld id="{B61BEF0D-F0BB-DE4B-95CE-6DB70DBA9567}" type="datetimeFigureOut">
               <a:rPr lang="en-US" dirty="0"/>
               <a:pPr/>
-              <a:t>11/29/2018</a:t>
+              <a:t>11/30/2018</a:t>
             </a:fld>
             <a:endParaRPr lang="en-US" dirty="0"/>
           </a:p>
@@ -3185,7 +3195,7 @@
             <a:fld id="{B61BEF0D-F0BB-DE4B-95CE-6DB70DBA9567}" type="datetimeFigureOut">
               <a:rPr lang="en-US" dirty="0"/>
               <a:pPr/>
-              <a:t>11/29/2018</a:t>
+              <a:t>11/30/2018</a:t>
             </a:fld>
             <a:endParaRPr lang="en-US" dirty="0"/>
           </a:p>
@@ -3505,7 +3515,7 @@
             <a:fld id="{B61BEF0D-F0BB-DE4B-95CE-6DB70DBA9567}" type="datetimeFigureOut">
               <a:rPr lang="en-US" dirty="0"/>
               <a:pPr/>
-              <a:t>11/29/2018</a:t>
+              <a:t>11/30/2018</a:t>
             </a:fld>
             <a:endParaRPr lang="en-US" dirty="0"/>
           </a:p>
@@ -3959,7 +3969,7 @@
             <a:fld id="{B61BEF0D-F0BB-DE4B-95CE-6DB70DBA9567}" type="datetimeFigureOut">
               <a:rPr lang="en-US" dirty="0"/>
               <a:pPr/>
-              <a:t>11/29/2018</a:t>
+              <a:t>11/30/2018</a:t>
             </a:fld>
             <a:endParaRPr lang="en-US" dirty="0"/>
           </a:p>
@@ -4161,7 +4171,7 @@
             <a:fld id="{B61BEF0D-F0BB-DE4B-95CE-6DB70DBA9567}" type="datetimeFigureOut">
               <a:rPr lang="en-US" dirty="0"/>
               <a:pPr/>
-              <a:t>11/29/2018</a:t>
+              <a:t>11/30/2018</a:t>
             </a:fld>
             <a:endParaRPr lang="en-US" dirty="0"/>
           </a:p>
@@ -4335,7 +4345,7 @@
             <a:fld id="{B61BEF0D-F0BB-DE4B-95CE-6DB70DBA9567}" type="datetimeFigureOut">
               <a:rPr lang="en-US" dirty="0"/>
               <a:pPr/>
-              <a:t>11/29/2018</a:t>
+              <a:t>11/30/2018</a:t>
             </a:fld>
             <a:endParaRPr lang="en-US" dirty="0"/>
           </a:p>
@@ -4665,7 +4675,7 @@
             <a:fld id="{B61BEF0D-F0BB-DE4B-95CE-6DB70DBA9567}" type="datetimeFigureOut">
               <a:rPr lang="en-US" dirty="0"/>
               <a:pPr/>
-              <a:t>11/29/2018</a:t>
+              <a:t>11/30/2018</a:t>
             </a:fld>
             <a:endParaRPr lang="en-US" dirty="0"/>
           </a:p>
@@ -5007,7 +5017,7 @@
             <a:fld id="{B61BEF0D-F0BB-DE4B-95CE-6DB70DBA9567}" type="datetimeFigureOut">
               <a:rPr lang="en-US" dirty="0"/>
               <a:pPr/>
-              <a:t>11/29/2018</a:t>
+              <a:t>11/30/2018</a:t>
             </a:fld>
             <a:endParaRPr lang="en-US" dirty="0"/>
           </a:p>
@@ -7121,7 +7131,7 @@
             <a:fld id="{B61BEF0D-F0BB-DE4B-95CE-6DB70DBA9567}" type="datetimeFigureOut">
               <a:rPr lang="en-US" dirty="0"/>
               <a:pPr/>
-              <a:t>11/29/2018</a:t>
+              <a:t>11/30/2018</a:t>
             </a:fld>
             <a:endParaRPr lang="en-US" dirty="0"/>
           </a:p>
@@ -7809,7 +7819,7 @@
           <p:cNvPr id="2" name="Title 1">
             <a:extLst>
               <a:ext uri="{FF2B5EF4-FFF2-40B4-BE49-F238E27FC236}">
-                <a16:creationId xmlns:a16="http://schemas.microsoft.com/office/drawing/2014/main" id="{879A0596-2564-4F46-AE2C-FF67E3711AA1}"/>
+                <a16:creationId xmlns:a16="http://schemas.microsoft.com/office/drawing/2014/main" id="{DE58DA8D-3119-4D2A-81EC-A36FFE8B600C}"/>
               </a:ext>
             </a:extLst>
           </p:cNvPr>
@@ -7820,19 +7830,15 @@
             <p:ph type="title"/>
           </p:nvPr>
         </p:nvSpPr>
-        <p:spPr>
-          <a:xfrm>
-            <a:off x="2503278" y="250088"/>
-            <a:ext cx="8911687" cy="696690"/>
-          </a:xfrm>
-        </p:spPr>
+        <p:spPr/>
         <p:txBody>
           <a:bodyPr/>
           <a:lstStyle/>
           <a:p>
+            <a:pPr algn="ctr"/>
             <a:r>
               <a:rPr lang="en-US" dirty="0"/>
-              <a:t>Movement Strategy pattern</a:t>
+              <a:t>Sequence Diagram for Food</a:t>
             </a:r>
           </a:p>
         </p:txBody>
@@ -7842,7 +7848,7 @@
           <p:cNvPr id="5" name="Content Placeholder 4" descr="A screenshot of a cell phone&#10;&#10;Description automatically generated">
             <a:extLst>
               <a:ext uri="{FF2B5EF4-FFF2-40B4-BE49-F238E27FC236}">
-                <a16:creationId xmlns:a16="http://schemas.microsoft.com/office/drawing/2014/main" id="{ED6F505A-DD5F-4A04-869E-E74C41AB3751}"/>
+                <a16:creationId xmlns:a16="http://schemas.microsoft.com/office/drawing/2014/main" id="{7858B792-459E-4F9B-8A64-6465D4F32860}"/>
               </a:ext>
             </a:extLst>
           </p:cNvPr>
@@ -7861,15 +7867,15 @@
         </p:blipFill>
         <p:spPr>
           <a:xfrm>
-            <a:off x="2139575" y="904131"/>
-            <a:ext cx="8911687" cy="5703781"/>
+            <a:off x="3370729" y="1356909"/>
+            <a:ext cx="7052235" cy="5113987"/>
           </a:xfrm>
         </p:spPr>
       </p:pic>
     </p:spTree>
     <p:extLst>
       <p:ext uri="{BB962C8B-B14F-4D97-AF65-F5344CB8AC3E}">
-        <p14:creationId xmlns:p14="http://schemas.microsoft.com/office/powerpoint/2010/main" val="450370279"/>
+        <p14:creationId xmlns:p14="http://schemas.microsoft.com/office/powerpoint/2010/main" val="2319940986"/>
       </p:ext>
     </p:extLst>
   </p:cSld>
@@ -7901,7 +7907,7 @@
           <p:cNvPr id="2" name="Title 1">
             <a:extLst>
               <a:ext uri="{FF2B5EF4-FFF2-40B4-BE49-F238E27FC236}">
-                <a16:creationId xmlns:a16="http://schemas.microsoft.com/office/drawing/2014/main" id="{DF29DFB7-4C23-4880-91C6-D8F94F50FE17}"/>
+                <a16:creationId xmlns:a16="http://schemas.microsoft.com/office/drawing/2014/main" id="{3796F472-68B7-4FC6-A467-40638B05F29B}"/>
               </a:ext>
             </a:extLst>
           </p:cNvPr>
@@ -7914,8 +7920,8 @@
         </p:nvSpPr>
         <p:spPr>
           <a:xfrm>
-            <a:off x="2598901" y="211733"/>
-            <a:ext cx="8911687" cy="553255"/>
+            <a:off x="2598901" y="140016"/>
+            <a:ext cx="8911687" cy="639963"/>
           </a:xfrm>
         </p:spPr>
         <p:txBody>
@@ -7926,17 +7932,17 @@
           <a:p>
             <a:r>
               <a:rPr lang="en-US" dirty="0"/>
-              <a:t>Observer Pattern Diagram</a:t>
+              <a:t>Actors and World class diagram	</a:t>
             </a:r>
           </a:p>
         </p:txBody>
       </p:sp>
       <p:pic>
         <p:nvPicPr>
-          <p:cNvPr id="5" name="Content Placeholder 4" descr="A screenshot of a cell phone&#10;&#10;Description automatically generated">
+          <p:cNvPr id="11" name="Content Placeholder 10" descr="A close up of a map&#10;&#10;Description automatically generated">
             <a:extLst>
               <a:ext uri="{FF2B5EF4-FFF2-40B4-BE49-F238E27FC236}">
-                <a16:creationId xmlns:a16="http://schemas.microsoft.com/office/drawing/2014/main" id="{0171794D-C21F-4EDF-8E78-DE5AEB763AB5}"/>
+                <a16:creationId xmlns:a16="http://schemas.microsoft.com/office/drawing/2014/main" id="{D38E85BE-EF43-4B2A-939A-7E89B32334A8}"/>
               </a:ext>
             </a:extLst>
           </p:cNvPr>
@@ -7955,15 +7961,15 @@
         </p:blipFill>
         <p:spPr>
           <a:xfrm>
-            <a:off x="3299012" y="784629"/>
-            <a:ext cx="8098117" cy="6009334"/>
+            <a:off x="2408518" y="592456"/>
+            <a:ext cx="8534400" cy="6311512"/>
           </a:xfrm>
         </p:spPr>
       </p:pic>
     </p:spTree>
     <p:extLst>
       <p:ext uri="{BB962C8B-B14F-4D97-AF65-F5344CB8AC3E}">
-        <p14:creationId xmlns:p14="http://schemas.microsoft.com/office/powerpoint/2010/main" val="1797494992"/>
+        <p14:creationId xmlns:p14="http://schemas.microsoft.com/office/powerpoint/2010/main" val="2261468395"/>
       </p:ext>
     </p:extLst>
   </p:cSld>
@@ -7995,7 +8001,7 @@
           <p:cNvPr id="2" name="Title 1">
             <a:extLst>
               <a:ext uri="{FF2B5EF4-FFF2-40B4-BE49-F238E27FC236}">
-                <a16:creationId xmlns:a16="http://schemas.microsoft.com/office/drawing/2014/main" id="{CEE6455C-6F1C-4E52-9344-5E481248F582}"/>
+                <a16:creationId xmlns:a16="http://schemas.microsoft.com/office/drawing/2014/main" id="{E0B304FB-9829-47AB-B307-6EAF8BADEC31}"/>
               </a:ext>
             </a:extLst>
           </p:cNvPr>
@@ -8008,29 +8014,27 @@
         </p:nvSpPr>
         <p:spPr>
           <a:xfrm>
-            <a:off x="2234337" y="253569"/>
-            <a:ext cx="8911687" cy="559231"/>
+            <a:off x="2694525" y="116110"/>
+            <a:ext cx="8911687" cy="666808"/>
           </a:xfrm>
         </p:spPr>
         <p:txBody>
-          <a:bodyPr>
-            <a:normAutofit fontScale="90000"/>
-          </a:bodyPr>
+          <a:bodyPr/>
           <a:lstStyle/>
           <a:p>
             <a:r>
               <a:rPr lang="en-US" dirty="0"/>
-              <a:t>Facade pattern </a:t>
+              <a:t>Level State Diagram</a:t>
             </a:r>
           </a:p>
         </p:txBody>
       </p:sp>
       <p:pic>
         <p:nvPicPr>
-          <p:cNvPr id="9" name="Content Placeholder 8" descr="A screenshot of a cell phone&#10;&#10;Description automatically generated">
+          <p:cNvPr id="5" name="Content Placeholder 4" descr="A screenshot of a cell phone&#10;&#10;Description automatically generated">
             <a:extLst>
               <a:ext uri="{FF2B5EF4-FFF2-40B4-BE49-F238E27FC236}">
-                <a16:creationId xmlns:a16="http://schemas.microsoft.com/office/drawing/2014/main" id="{42441921-D195-43CA-8154-7BC3962CC7FC}"/>
+                <a16:creationId xmlns:a16="http://schemas.microsoft.com/office/drawing/2014/main" id="{A7A34AF6-6CD9-4B78-81CC-2AB8A22CE9F2}"/>
               </a:ext>
             </a:extLst>
           </p:cNvPr>
@@ -8049,15 +8053,15 @@
         </p:blipFill>
         <p:spPr>
           <a:xfrm>
-            <a:off x="1858682" y="747059"/>
-            <a:ext cx="9090212" cy="5880156"/>
+            <a:off x="3071907" y="968111"/>
+            <a:ext cx="6119906" cy="5916023"/>
           </a:xfrm>
         </p:spPr>
       </p:pic>
     </p:spTree>
     <p:extLst>
       <p:ext uri="{BB962C8B-B14F-4D97-AF65-F5344CB8AC3E}">
-        <p14:creationId xmlns:p14="http://schemas.microsoft.com/office/powerpoint/2010/main" val="2608472444"/>
+        <p14:creationId xmlns:p14="http://schemas.microsoft.com/office/powerpoint/2010/main" val="1323228715"/>
       </p:ext>
     </p:extLst>
   </p:cSld>
@@ -8089,7 +8093,7 @@
           <p:cNvPr id="2" name="Title 1">
             <a:extLst>
               <a:ext uri="{FF2B5EF4-FFF2-40B4-BE49-F238E27FC236}">
-                <a16:creationId xmlns:a16="http://schemas.microsoft.com/office/drawing/2014/main" id="{5EE4A622-A9BE-429D-B9AB-06D60D905897}"/>
+                <a16:creationId xmlns:a16="http://schemas.microsoft.com/office/drawing/2014/main" id="{9C4064AC-87DB-4D73-BD49-9E51CAB85E8E}"/>
               </a:ext>
             </a:extLst>
           </p:cNvPr>
@@ -8100,47 +8104,56 @@
             <p:ph type="title"/>
           </p:nvPr>
         </p:nvSpPr>
-        <p:spPr/>
+        <p:spPr>
+          <a:xfrm>
+            <a:off x="2592925" y="181851"/>
+            <a:ext cx="8911687" cy="666808"/>
+          </a:xfrm>
+        </p:spPr>
         <p:txBody>
           <a:bodyPr/>
           <a:lstStyle/>
           <a:p>
             <a:r>
               <a:rPr lang="en-US" dirty="0"/>
-              <a:t>Sword</a:t>
-            </a:r>
-          </a:p>
-        </p:txBody>
-      </p:sp>
-      <p:sp>
-        <p:nvSpPr>
-          <p:cNvPr id="3" name="Content Placeholder 2">
+              <a:t>Human State Diagram</a:t>
+            </a:r>
+          </a:p>
+        </p:txBody>
+      </p:sp>
+      <p:pic>
+        <p:nvPicPr>
+          <p:cNvPr id="5" name="Content Placeholder 4" descr="A screenshot of a cell phone&#10;&#10;Description automatically generated">
             <a:extLst>
               <a:ext uri="{FF2B5EF4-FFF2-40B4-BE49-F238E27FC236}">
-                <a16:creationId xmlns:a16="http://schemas.microsoft.com/office/drawing/2014/main" id="{9FFC681B-62D0-4797-93E1-BBA2EF5C882A}"/>
+                <a16:creationId xmlns:a16="http://schemas.microsoft.com/office/drawing/2014/main" id="{A4C154A8-C7F9-4994-B758-780295192CC8}"/>
               </a:ext>
             </a:extLst>
           </p:cNvPr>
-          <p:cNvSpPr>
-            <a:spLocks noGrp="1"/>
-          </p:cNvSpPr>
+          <p:cNvPicPr>
+            <a:picLocks noGrp="1" noChangeAspect="1"/>
+          </p:cNvPicPr>
           <p:nvPr>
             <p:ph idx="1"/>
           </p:nvPr>
-        </p:nvSpPr>
-        <p:spPr/>
-        <p:txBody>
-          <a:bodyPr/>
-          <a:lstStyle/>
-          <a:p>
-            <a:endParaRPr lang="en-US"/>
-          </a:p>
-        </p:txBody>
-      </p:sp>
+        </p:nvPicPr>
+        <p:blipFill>
+          <a:blip r:embed="rId2"/>
+          <a:stretch>
+            <a:fillRect/>
+          </a:stretch>
+        </p:blipFill>
+        <p:spPr>
+          <a:xfrm>
+            <a:off x="2486212" y="848659"/>
+            <a:ext cx="9590207" cy="5587999"/>
+          </a:xfrm>
+        </p:spPr>
+      </p:pic>
     </p:spTree>
     <p:extLst>
       <p:ext uri="{BB962C8B-B14F-4D97-AF65-F5344CB8AC3E}">
-        <p14:creationId xmlns:p14="http://schemas.microsoft.com/office/powerpoint/2010/main" val="2844302256"/>
+        <p14:creationId xmlns:p14="http://schemas.microsoft.com/office/powerpoint/2010/main" val="2250780605"/>
       </p:ext>
     </p:extLst>
   </p:cSld>
@@ -8172,7 +8185,7 @@
           <p:cNvPr id="2" name="Title 1">
             <a:extLst>
               <a:ext uri="{FF2B5EF4-FFF2-40B4-BE49-F238E27FC236}">
-                <a16:creationId xmlns:a16="http://schemas.microsoft.com/office/drawing/2014/main" id="{4DF511BB-ED2C-4FCC-B9F4-294C5CB5C071}"/>
+                <a16:creationId xmlns:a16="http://schemas.microsoft.com/office/drawing/2014/main" id="{879A0596-2564-4F46-AE2C-FF67E3711AA1}"/>
               </a:ext>
             </a:extLst>
           </p:cNvPr>
@@ -8183,77 +8196,56 @@
             <p:ph type="title"/>
           </p:nvPr>
         </p:nvSpPr>
-        <p:spPr/>
+        <p:spPr>
+          <a:xfrm>
+            <a:off x="2503278" y="250088"/>
+            <a:ext cx="8911687" cy="696690"/>
+          </a:xfrm>
+        </p:spPr>
         <p:txBody>
           <a:bodyPr/>
           <a:lstStyle/>
           <a:p>
             <a:r>
               <a:rPr lang="en-US" dirty="0"/>
-              <a:t>XP Values : Communication</a:t>
-            </a:r>
-          </a:p>
-        </p:txBody>
-      </p:sp>
-      <p:sp>
-        <p:nvSpPr>
-          <p:cNvPr id="3" name="Content Placeholder 2">
+              <a:t>Movement Strategy pattern</a:t>
+            </a:r>
+          </a:p>
+        </p:txBody>
+      </p:sp>
+      <p:pic>
+        <p:nvPicPr>
+          <p:cNvPr id="5" name="Content Placeholder 4" descr="A screenshot of a cell phone&#10;&#10;Description automatically generated">
             <a:extLst>
               <a:ext uri="{FF2B5EF4-FFF2-40B4-BE49-F238E27FC236}">
-                <a16:creationId xmlns:a16="http://schemas.microsoft.com/office/drawing/2014/main" id="{7492B32D-27BF-4D43-BB84-4BF3FF3736C5}"/>
+                <a16:creationId xmlns:a16="http://schemas.microsoft.com/office/drawing/2014/main" id="{ED6F505A-DD5F-4A04-869E-E74C41AB3751}"/>
               </a:ext>
             </a:extLst>
           </p:cNvPr>
-          <p:cNvSpPr>
-            <a:spLocks noGrp="1"/>
-          </p:cNvSpPr>
+          <p:cNvPicPr>
+            <a:picLocks noGrp="1" noChangeAspect="1"/>
+          </p:cNvPicPr>
           <p:nvPr>
             <p:ph idx="1"/>
           </p:nvPr>
-        </p:nvSpPr>
-        <p:spPr/>
-        <p:txBody>
-          <a:bodyPr/>
-          <a:lstStyle/>
-          <a:p>
-            <a:r>
-              <a:rPr lang="en-US" dirty="0"/>
-              <a:t>The primary value we focused on during our development was communication</a:t>
-            </a:r>
-          </a:p>
-          <a:p>
-            <a:endParaRPr lang="en-US" dirty="0"/>
-          </a:p>
-          <a:p>
-            <a:r>
-              <a:rPr lang="en-US" dirty="0"/>
-              <a:t>We interacted regularly and had scrum meetings on scheduled time.</a:t>
-            </a:r>
-          </a:p>
-          <a:p>
-            <a:endParaRPr lang="en-US" dirty="0"/>
-          </a:p>
-          <a:p>
-            <a:r>
-              <a:rPr lang="en-US" dirty="0"/>
-              <a:t>We made sure that  everyone understands the current status of project and helped each to clear blockers.</a:t>
-            </a:r>
-          </a:p>
-          <a:p>
-            <a:endParaRPr lang="en-US" dirty="0"/>
-          </a:p>
-          <a:p>
-            <a:r>
-              <a:rPr lang="en-US" dirty="0"/>
-              <a:t>During our meetings we took each others feedback positively and worked on them to keep the pace of development going</a:t>
-            </a:r>
-          </a:p>
-        </p:txBody>
-      </p:sp>
+        </p:nvPicPr>
+        <p:blipFill>
+          <a:blip r:embed="rId2"/>
+          <a:stretch>
+            <a:fillRect/>
+          </a:stretch>
+        </p:blipFill>
+        <p:spPr>
+          <a:xfrm>
+            <a:off x="2139575" y="904131"/>
+            <a:ext cx="8911687" cy="5703781"/>
+          </a:xfrm>
+        </p:spPr>
+      </p:pic>
     </p:spTree>
     <p:extLst>
       <p:ext uri="{BB962C8B-B14F-4D97-AF65-F5344CB8AC3E}">
-        <p14:creationId xmlns:p14="http://schemas.microsoft.com/office/powerpoint/2010/main" val="4188300890"/>
+        <p14:creationId xmlns:p14="http://schemas.microsoft.com/office/powerpoint/2010/main" val="450370279"/>
       </p:ext>
     </p:extLst>
   </p:cSld>
@@ -8285,7 +8277,7 @@
           <p:cNvPr id="2" name="Title 1">
             <a:extLst>
               <a:ext uri="{FF2B5EF4-FFF2-40B4-BE49-F238E27FC236}">
-                <a16:creationId xmlns:a16="http://schemas.microsoft.com/office/drawing/2014/main" id="{493C106F-4A4E-437A-8D40-296EC668E6A9}"/>
+                <a16:creationId xmlns:a16="http://schemas.microsoft.com/office/drawing/2014/main" id="{DF29DFB7-4C23-4880-91C6-D8F94F50FE17}"/>
               </a:ext>
             </a:extLst>
           </p:cNvPr>
@@ -8296,52 +8288,58 @@
             <p:ph type="title"/>
           </p:nvPr>
         </p:nvSpPr>
-        <p:spPr/>
-        <p:txBody>
-          <a:bodyPr/>
+        <p:spPr>
+          <a:xfrm>
+            <a:off x="2598901" y="211733"/>
+            <a:ext cx="8911687" cy="553255"/>
+          </a:xfrm>
+        </p:spPr>
+        <p:txBody>
+          <a:bodyPr>
+            <a:normAutofit fontScale="90000"/>
+          </a:bodyPr>
           <a:lstStyle/>
           <a:p>
             <a:r>
               <a:rPr lang="en-US" dirty="0"/>
-              <a:t>Questions??</a:t>
-            </a:r>
-          </a:p>
-        </p:txBody>
-      </p:sp>
-      <p:sp>
-        <p:nvSpPr>
-          <p:cNvPr id="3" name="Content Placeholder 2">
+              <a:t>Observer Pattern Diagram</a:t>
+            </a:r>
+          </a:p>
+        </p:txBody>
+      </p:sp>
+      <p:pic>
+        <p:nvPicPr>
+          <p:cNvPr id="5" name="Content Placeholder 4" descr="A screenshot of a cell phone&#10;&#10;Description automatically generated">
             <a:extLst>
               <a:ext uri="{FF2B5EF4-FFF2-40B4-BE49-F238E27FC236}">
-                <a16:creationId xmlns:a16="http://schemas.microsoft.com/office/drawing/2014/main" id="{6A6741C4-C7F5-43D3-8C74-223CDB3F5F3B}"/>
+                <a16:creationId xmlns:a16="http://schemas.microsoft.com/office/drawing/2014/main" id="{0171794D-C21F-4EDF-8E78-DE5AEB763AB5}"/>
               </a:ext>
             </a:extLst>
           </p:cNvPr>
-          <p:cNvSpPr>
-            <a:spLocks noGrp="1"/>
-          </p:cNvSpPr>
+          <p:cNvPicPr>
+            <a:picLocks noGrp="1" noChangeAspect="1"/>
+          </p:cNvPicPr>
           <p:nvPr>
             <p:ph idx="1"/>
           </p:nvPr>
-        </p:nvSpPr>
+        </p:nvPicPr>
+        <p:blipFill>
+          <a:blip r:embed="rId2"/>
+          <a:stretch>
+            <a:fillRect/>
+          </a:stretch>
+        </p:blipFill>
         <p:spPr>
           <a:xfrm>
-            <a:off x="2581835" y="2199340"/>
-            <a:ext cx="8922777" cy="3711881"/>
+            <a:off x="3299012" y="784629"/>
+            <a:ext cx="8098117" cy="6009334"/>
           </a:xfrm>
         </p:spPr>
-        <p:txBody>
-          <a:bodyPr/>
-          <a:lstStyle/>
-          <a:p>
-            <a:endParaRPr lang="en-US" dirty="0"/>
-          </a:p>
-        </p:txBody>
-      </p:sp>
+      </p:pic>
     </p:spTree>
     <p:extLst>
       <p:ext uri="{BB962C8B-B14F-4D97-AF65-F5344CB8AC3E}">
-        <p14:creationId xmlns:p14="http://schemas.microsoft.com/office/powerpoint/2010/main" val="701865526"/>
+        <p14:creationId xmlns:p14="http://schemas.microsoft.com/office/powerpoint/2010/main" val="1797494992"/>
       </p:ext>
     </p:extLst>
   </p:cSld>
@@ -8373,7 +8371,7 @@
           <p:cNvPr id="2" name="Title 1">
             <a:extLst>
               <a:ext uri="{FF2B5EF4-FFF2-40B4-BE49-F238E27FC236}">
-                <a16:creationId xmlns:a16="http://schemas.microsoft.com/office/drawing/2014/main" id="{D803BB78-3D34-4427-8451-CFFBE795D26B}"/>
+                <a16:creationId xmlns:a16="http://schemas.microsoft.com/office/drawing/2014/main" id="{CEE6455C-6F1C-4E52-9344-5E481248F582}"/>
               </a:ext>
             </a:extLst>
           </p:cNvPr>
@@ -8386,25 +8384,355 @@
         </p:nvSpPr>
         <p:spPr>
           <a:xfrm>
-            <a:off x="3741272" y="2145553"/>
-            <a:ext cx="8916800" cy="1337235"/>
+            <a:off x="2234337" y="253569"/>
+            <a:ext cx="8911687" cy="559231"/>
           </a:xfrm>
         </p:spPr>
         <p:txBody>
-          <a:bodyPr/>
+          <a:bodyPr>
+            <a:normAutofit fontScale="90000"/>
+          </a:bodyPr>
           <a:lstStyle/>
           <a:p>
             <a:r>
               <a:rPr lang="en-US" dirty="0"/>
-              <a:t>Hope you enjoy the game!!!</a:t>
-            </a:r>
-          </a:p>
-        </p:txBody>
-      </p:sp>
+              <a:t>Facade pattern </a:t>
+            </a:r>
+          </a:p>
+        </p:txBody>
+      </p:sp>
+      <p:pic>
+        <p:nvPicPr>
+          <p:cNvPr id="9" name="Content Placeholder 8" descr="A screenshot of a cell phone&#10;&#10;Description automatically generated">
+            <a:extLst>
+              <a:ext uri="{FF2B5EF4-FFF2-40B4-BE49-F238E27FC236}">
+                <a16:creationId xmlns:a16="http://schemas.microsoft.com/office/drawing/2014/main" id="{42441921-D195-43CA-8154-7BC3962CC7FC}"/>
+              </a:ext>
+            </a:extLst>
+          </p:cNvPr>
+          <p:cNvPicPr>
+            <a:picLocks noGrp="1" noChangeAspect="1"/>
+          </p:cNvPicPr>
+          <p:nvPr>
+            <p:ph idx="1"/>
+          </p:nvPr>
+        </p:nvPicPr>
+        <p:blipFill>
+          <a:blip r:embed="rId2"/>
+          <a:stretch>
+            <a:fillRect/>
+          </a:stretch>
+        </p:blipFill>
+        <p:spPr>
+          <a:xfrm>
+            <a:off x="1858682" y="747059"/>
+            <a:ext cx="9090212" cy="5880156"/>
+          </a:xfrm>
+        </p:spPr>
+      </p:pic>
     </p:spTree>
     <p:extLst>
       <p:ext uri="{BB962C8B-B14F-4D97-AF65-F5344CB8AC3E}">
-        <p14:creationId xmlns:p14="http://schemas.microsoft.com/office/powerpoint/2010/main" val="435779215"/>
+        <p14:creationId xmlns:p14="http://schemas.microsoft.com/office/powerpoint/2010/main" val="2608472444"/>
+      </p:ext>
+    </p:extLst>
+  </p:cSld>
+  <p:clrMapOvr>
+    <a:masterClrMapping/>
+  </p:clrMapOvr>
+</p:sld>
+</file>
+
+<file path=ppt/slides/slide17.xml><?xml version="1.0" encoding="utf-8"?>
+<p:sld xmlns:a="http://schemas.openxmlformats.org/drawingml/2006/main" xmlns:r="http://schemas.openxmlformats.org/officeDocument/2006/relationships" xmlns:p="http://schemas.openxmlformats.org/presentationml/2006/main">
+  <p:cSld>
+    <p:spTree>
+      <p:nvGrpSpPr>
+        <p:cNvPr id="1" name=""/>
+        <p:cNvGrpSpPr/>
+        <p:nvPr/>
+      </p:nvGrpSpPr>
+      <p:grpSpPr>
+        <a:xfrm>
+          <a:off x="0" y="0"/>
+          <a:ext cx="0" cy="0"/>
+          <a:chOff x="0" y="0"/>
+          <a:chExt cx="0" cy="0"/>
+        </a:xfrm>
+      </p:grpSpPr>
+      <p:sp>
+        <p:nvSpPr>
+          <p:cNvPr id="2" name="Title 1">
+            <a:extLst>
+              <a:ext uri="{FF2B5EF4-FFF2-40B4-BE49-F238E27FC236}">
+                <a16:creationId xmlns:a16="http://schemas.microsoft.com/office/drawing/2014/main" id="{5EE4A622-A9BE-429D-B9AB-06D60D905897}"/>
+              </a:ext>
+            </a:extLst>
+          </p:cNvPr>
+          <p:cNvSpPr>
+            <a:spLocks noGrp="1"/>
+          </p:cNvSpPr>
+          <p:nvPr>
+            <p:ph type="title"/>
+          </p:nvPr>
+        </p:nvSpPr>
+        <p:spPr>
+          <a:xfrm>
+            <a:off x="2188479" y="304796"/>
+            <a:ext cx="8911687" cy="641982"/>
+          </a:xfrm>
+        </p:spPr>
+        <p:txBody>
+          <a:bodyPr/>
+          <a:lstStyle/>
+          <a:p>
+            <a:r>
+              <a:rPr lang="en-US" dirty="0"/>
+              <a:t>Sword State Pattern</a:t>
+            </a:r>
+          </a:p>
+        </p:txBody>
+      </p:sp>
+      <p:pic>
+        <p:nvPicPr>
+          <p:cNvPr id="5" name="Content Placeholder 4" descr="A screenshot of a cell phone&#10;&#10;Description automatically generated">
+            <a:extLst>
+              <a:ext uri="{FF2B5EF4-FFF2-40B4-BE49-F238E27FC236}">
+                <a16:creationId xmlns:a16="http://schemas.microsoft.com/office/drawing/2014/main" id="{4A26F0F7-D59C-419C-8804-88A741907516}"/>
+              </a:ext>
+            </a:extLst>
+          </p:cNvPr>
+          <p:cNvPicPr>
+            <a:picLocks noGrp="1" noChangeAspect="1"/>
+          </p:cNvPicPr>
+          <p:nvPr>
+            <p:ph idx="1"/>
+          </p:nvPr>
+        </p:nvPicPr>
+        <p:blipFill>
+          <a:blip r:embed="rId2"/>
+          <a:stretch>
+            <a:fillRect/>
+          </a:stretch>
+        </p:blipFill>
+        <p:spPr>
+          <a:xfrm>
+            <a:off x="3185459" y="1110369"/>
+            <a:ext cx="7739529" cy="5680557"/>
+          </a:xfrm>
+        </p:spPr>
+      </p:pic>
+    </p:spTree>
+    <p:extLst>
+      <p:ext uri="{BB962C8B-B14F-4D97-AF65-F5344CB8AC3E}">
+        <p14:creationId xmlns:p14="http://schemas.microsoft.com/office/powerpoint/2010/main" val="2844302256"/>
+      </p:ext>
+    </p:extLst>
+  </p:cSld>
+  <p:clrMapOvr>
+    <a:masterClrMapping/>
+  </p:clrMapOvr>
+</p:sld>
+</file>
+
+<file path=ppt/slides/slide18.xml><?xml version="1.0" encoding="utf-8"?>
+<p:sld xmlns:a="http://schemas.openxmlformats.org/drawingml/2006/main" xmlns:r="http://schemas.openxmlformats.org/officeDocument/2006/relationships" xmlns:p="http://schemas.openxmlformats.org/presentationml/2006/main">
+  <p:cSld>
+    <p:spTree>
+      <p:nvGrpSpPr>
+        <p:cNvPr id="1" name=""/>
+        <p:cNvGrpSpPr/>
+        <p:nvPr/>
+      </p:nvGrpSpPr>
+      <p:grpSpPr>
+        <a:xfrm>
+          <a:off x="0" y="0"/>
+          <a:ext cx="0" cy="0"/>
+          <a:chOff x="0" y="0"/>
+          <a:chExt cx="0" cy="0"/>
+        </a:xfrm>
+      </p:grpSpPr>
+      <p:sp>
+        <p:nvSpPr>
+          <p:cNvPr id="2" name="Title 1">
+            <a:extLst>
+              <a:ext uri="{FF2B5EF4-FFF2-40B4-BE49-F238E27FC236}">
+                <a16:creationId xmlns:a16="http://schemas.microsoft.com/office/drawing/2014/main" id="{99E03289-D7A8-439C-9214-BDFAF7B9A4CC}"/>
+              </a:ext>
+            </a:extLst>
+          </p:cNvPr>
+          <p:cNvSpPr>
+            <a:spLocks noGrp="1"/>
+          </p:cNvSpPr>
+          <p:nvPr>
+            <p:ph type="title"/>
+          </p:nvPr>
+        </p:nvSpPr>
+        <p:spPr>
+          <a:xfrm>
+            <a:off x="2566437" y="181851"/>
+            <a:ext cx="8911687" cy="624972"/>
+          </a:xfrm>
+        </p:spPr>
+        <p:txBody>
+          <a:bodyPr>
+            <a:normAutofit fontScale="90000"/>
+          </a:bodyPr>
+          <a:lstStyle/>
+          <a:p>
+            <a:r>
+              <a:rPr lang="en-US" dirty="0"/>
+              <a:t>Factory Method pattern</a:t>
+            </a:r>
+          </a:p>
+        </p:txBody>
+      </p:sp>
+      <p:pic>
+        <p:nvPicPr>
+          <p:cNvPr id="9" name="Content Placeholder 8" descr="A picture containing screenshot&#10;&#10;Description automatically generated">
+            <a:extLst>
+              <a:ext uri="{FF2B5EF4-FFF2-40B4-BE49-F238E27FC236}">
+                <a16:creationId xmlns:a16="http://schemas.microsoft.com/office/drawing/2014/main" id="{576F038F-742F-4283-8022-299ED5926AF6}"/>
+              </a:ext>
+            </a:extLst>
+          </p:cNvPr>
+          <p:cNvPicPr>
+            <a:picLocks noGrp="1" noChangeAspect="1"/>
+          </p:cNvPicPr>
+          <p:nvPr>
+            <p:ph idx="1"/>
+          </p:nvPr>
+        </p:nvPicPr>
+        <p:blipFill>
+          <a:blip r:embed="rId2"/>
+          <a:stretch>
+            <a:fillRect/>
+          </a:stretch>
+        </p:blipFill>
+        <p:spPr>
+          <a:xfrm>
+            <a:off x="1741028" y="806823"/>
+            <a:ext cx="9466100" cy="5737412"/>
+          </a:xfrm>
+        </p:spPr>
+      </p:pic>
+    </p:spTree>
+    <p:extLst>
+      <p:ext uri="{BB962C8B-B14F-4D97-AF65-F5344CB8AC3E}">
+        <p14:creationId xmlns:p14="http://schemas.microsoft.com/office/powerpoint/2010/main" val="1076664892"/>
+      </p:ext>
+    </p:extLst>
+  </p:cSld>
+  <p:clrMapOvr>
+    <a:masterClrMapping/>
+  </p:clrMapOvr>
+</p:sld>
+</file>
+
+<file path=ppt/slides/slide19.xml><?xml version="1.0" encoding="utf-8"?>
+<p:sld xmlns:a="http://schemas.openxmlformats.org/drawingml/2006/main" xmlns:r="http://schemas.openxmlformats.org/officeDocument/2006/relationships" xmlns:p="http://schemas.openxmlformats.org/presentationml/2006/main">
+  <p:cSld>
+    <p:spTree>
+      <p:nvGrpSpPr>
+        <p:cNvPr id="1" name=""/>
+        <p:cNvGrpSpPr/>
+        <p:nvPr/>
+      </p:nvGrpSpPr>
+      <p:grpSpPr>
+        <a:xfrm>
+          <a:off x="0" y="0"/>
+          <a:ext cx="0" cy="0"/>
+          <a:chOff x="0" y="0"/>
+          <a:chExt cx="0" cy="0"/>
+        </a:xfrm>
+      </p:grpSpPr>
+      <p:sp>
+        <p:nvSpPr>
+          <p:cNvPr id="2" name="Title 1">
+            <a:extLst>
+              <a:ext uri="{FF2B5EF4-FFF2-40B4-BE49-F238E27FC236}">
+                <a16:creationId xmlns:a16="http://schemas.microsoft.com/office/drawing/2014/main" id="{4DF511BB-ED2C-4FCC-B9F4-294C5CB5C071}"/>
+              </a:ext>
+            </a:extLst>
+          </p:cNvPr>
+          <p:cNvSpPr>
+            <a:spLocks noGrp="1"/>
+          </p:cNvSpPr>
+          <p:nvPr>
+            <p:ph type="title"/>
+          </p:nvPr>
+        </p:nvSpPr>
+        <p:spPr/>
+        <p:txBody>
+          <a:bodyPr/>
+          <a:lstStyle/>
+          <a:p>
+            <a:r>
+              <a:rPr lang="en-US" dirty="0"/>
+              <a:t>XP Values : Communication</a:t>
+            </a:r>
+          </a:p>
+        </p:txBody>
+      </p:sp>
+      <p:sp>
+        <p:nvSpPr>
+          <p:cNvPr id="3" name="Content Placeholder 2">
+            <a:extLst>
+              <a:ext uri="{FF2B5EF4-FFF2-40B4-BE49-F238E27FC236}">
+                <a16:creationId xmlns:a16="http://schemas.microsoft.com/office/drawing/2014/main" id="{7492B32D-27BF-4D43-BB84-4BF3FF3736C5}"/>
+              </a:ext>
+            </a:extLst>
+          </p:cNvPr>
+          <p:cNvSpPr>
+            <a:spLocks noGrp="1"/>
+          </p:cNvSpPr>
+          <p:nvPr>
+            <p:ph idx="1"/>
+          </p:nvPr>
+        </p:nvSpPr>
+        <p:spPr/>
+        <p:txBody>
+          <a:bodyPr/>
+          <a:lstStyle/>
+          <a:p>
+            <a:r>
+              <a:rPr lang="en-US" dirty="0"/>
+              <a:t>The primary value we focused on during our development was communication</a:t>
+            </a:r>
+          </a:p>
+          <a:p>
+            <a:endParaRPr lang="en-US" dirty="0"/>
+          </a:p>
+          <a:p>
+            <a:r>
+              <a:rPr lang="en-US" dirty="0"/>
+              <a:t>We interacted regularly and had scrum meetings on scheduled time.</a:t>
+            </a:r>
+          </a:p>
+          <a:p>
+            <a:endParaRPr lang="en-US" dirty="0"/>
+          </a:p>
+          <a:p>
+            <a:r>
+              <a:rPr lang="en-US" dirty="0"/>
+              <a:t>We made sure that  everyone understands the current status of project and helped each to clear blockers.</a:t>
+            </a:r>
+          </a:p>
+          <a:p>
+            <a:endParaRPr lang="en-US" dirty="0"/>
+          </a:p>
+          <a:p>
+            <a:r>
+              <a:rPr lang="en-US" dirty="0"/>
+              <a:t>During our meetings we took each others feedback positively and worked on them to keep the pace of development going</a:t>
+            </a:r>
+          </a:p>
+        </p:txBody>
+      </p:sp>
+    </p:spTree>
+    <p:extLst>
+      <p:ext uri="{BB962C8B-B14F-4D97-AF65-F5344CB8AC3E}">
+        <p14:creationId xmlns:p14="http://schemas.microsoft.com/office/powerpoint/2010/main" val="4188300890"/>
       </p:ext>
     </p:extLst>
   </p:cSld>
@@ -8544,6 +8872,185 @@
     <p:extLst>
       <p:ext uri="{BB962C8B-B14F-4D97-AF65-F5344CB8AC3E}">
         <p14:creationId xmlns:p14="http://schemas.microsoft.com/office/powerpoint/2010/main" val="1404666712"/>
+      </p:ext>
+    </p:extLst>
+  </p:cSld>
+  <p:clrMapOvr>
+    <a:masterClrMapping/>
+  </p:clrMapOvr>
+</p:sld>
+</file>
+
+<file path=ppt/slides/slide20.xml><?xml version="1.0" encoding="utf-8"?>
+<p:sld xmlns:a="http://schemas.openxmlformats.org/drawingml/2006/main" xmlns:r="http://schemas.openxmlformats.org/officeDocument/2006/relationships" xmlns:p="http://schemas.openxmlformats.org/presentationml/2006/main">
+  <p:cSld>
+    <p:spTree>
+      <p:nvGrpSpPr>
+        <p:cNvPr id="1" name=""/>
+        <p:cNvGrpSpPr/>
+        <p:nvPr/>
+      </p:nvGrpSpPr>
+      <p:grpSpPr>
+        <a:xfrm>
+          <a:off x="0" y="0"/>
+          <a:ext cx="0" cy="0"/>
+          <a:chOff x="0" y="0"/>
+          <a:chExt cx="0" cy="0"/>
+        </a:xfrm>
+      </p:grpSpPr>
+      <p:sp>
+        <p:nvSpPr>
+          <p:cNvPr id="2" name="Title 1">
+            <a:extLst>
+              <a:ext uri="{FF2B5EF4-FFF2-40B4-BE49-F238E27FC236}">
+                <a16:creationId xmlns:a16="http://schemas.microsoft.com/office/drawing/2014/main" id="{493C106F-4A4E-437A-8D40-296EC668E6A9}"/>
+              </a:ext>
+            </a:extLst>
+          </p:cNvPr>
+          <p:cNvSpPr>
+            <a:spLocks noGrp="1"/>
+          </p:cNvSpPr>
+          <p:nvPr>
+            <p:ph type="title"/>
+          </p:nvPr>
+        </p:nvSpPr>
+        <p:spPr/>
+        <p:txBody>
+          <a:bodyPr/>
+          <a:lstStyle/>
+          <a:p>
+            <a:r>
+              <a:rPr lang="en-US" dirty="0"/>
+              <a:t>Questions?</a:t>
+            </a:r>
+            <a:br>
+              <a:rPr lang="en-US" dirty="0"/>
+            </a:br>
+            <a:endParaRPr lang="en-US" dirty="0"/>
+          </a:p>
+        </p:txBody>
+      </p:sp>
+      <p:pic>
+        <p:nvPicPr>
+          <p:cNvPr id="5" name="Content Placeholder 4" descr="A close up of a toy&#10;&#10;Description automatically generated">
+            <a:extLst>
+              <a:ext uri="{FF2B5EF4-FFF2-40B4-BE49-F238E27FC236}">
+                <a16:creationId xmlns:a16="http://schemas.microsoft.com/office/drawing/2014/main" id="{E5C0DC69-F41F-425D-BEC1-37DD1119EFF4}"/>
+              </a:ext>
+            </a:extLst>
+          </p:cNvPr>
+          <p:cNvPicPr>
+            <a:picLocks noGrp="1" noChangeAspect="1"/>
+          </p:cNvPicPr>
+          <p:nvPr>
+            <p:ph idx="1"/>
+          </p:nvPr>
+        </p:nvPicPr>
+        <p:blipFill>
+          <a:blip r:embed="rId2"/>
+          <a:stretch>
+            <a:fillRect/>
+          </a:stretch>
+        </p:blipFill>
+        <p:spPr>
+          <a:xfrm>
+            <a:off x="3591859" y="1726557"/>
+            <a:ext cx="5767293" cy="4360074"/>
+          </a:xfrm>
+        </p:spPr>
+      </p:pic>
+    </p:spTree>
+    <p:extLst>
+      <p:ext uri="{BB962C8B-B14F-4D97-AF65-F5344CB8AC3E}">
+        <p14:creationId xmlns:p14="http://schemas.microsoft.com/office/powerpoint/2010/main" val="701865526"/>
+      </p:ext>
+    </p:extLst>
+  </p:cSld>
+  <p:clrMapOvr>
+    <a:masterClrMapping/>
+  </p:clrMapOvr>
+</p:sld>
+</file>
+
+<file path=ppt/slides/slide21.xml><?xml version="1.0" encoding="utf-8"?>
+<p:sld xmlns:a="http://schemas.openxmlformats.org/drawingml/2006/main" xmlns:r="http://schemas.openxmlformats.org/officeDocument/2006/relationships" xmlns:p="http://schemas.openxmlformats.org/presentationml/2006/main">
+  <p:cSld>
+    <p:spTree>
+      <p:nvGrpSpPr>
+        <p:cNvPr id="1" name=""/>
+        <p:cNvGrpSpPr/>
+        <p:nvPr/>
+      </p:nvGrpSpPr>
+      <p:grpSpPr>
+        <a:xfrm>
+          <a:off x="0" y="0"/>
+          <a:ext cx="0" cy="0"/>
+          <a:chOff x="0" y="0"/>
+          <a:chExt cx="0" cy="0"/>
+        </a:xfrm>
+      </p:grpSpPr>
+      <p:sp>
+        <p:nvSpPr>
+          <p:cNvPr id="2" name="Title 1">
+            <a:extLst>
+              <a:ext uri="{FF2B5EF4-FFF2-40B4-BE49-F238E27FC236}">
+                <a16:creationId xmlns:a16="http://schemas.microsoft.com/office/drawing/2014/main" id="{ACAF0587-2EF6-44B4-B63C-EA6A57A105C8}"/>
+              </a:ext>
+            </a:extLst>
+          </p:cNvPr>
+          <p:cNvSpPr>
+            <a:spLocks noGrp="1"/>
+          </p:cNvSpPr>
+          <p:nvPr>
+            <p:ph type="title"/>
+          </p:nvPr>
+        </p:nvSpPr>
+        <p:spPr/>
+        <p:txBody>
+          <a:bodyPr/>
+          <a:lstStyle/>
+          <a:p>
+            <a:pPr algn="ctr"/>
+            <a:r>
+              <a:rPr lang="en-US" dirty="0"/>
+              <a:t>Hope you enjoy the game!!!</a:t>
+            </a:r>
+          </a:p>
+        </p:txBody>
+      </p:sp>
+      <p:pic>
+        <p:nvPicPr>
+          <p:cNvPr id="13" name="Content Placeholder 12" descr="A hand holding a toy&#10;&#10;Description automatically generated">
+            <a:extLst>
+              <a:ext uri="{FF2B5EF4-FFF2-40B4-BE49-F238E27FC236}">
+                <a16:creationId xmlns:a16="http://schemas.microsoft.com/office/drawing/2014/main" id="{1BAED250-8C82-4CCB-8AAA-7A2BF022C7E7}"/>
+              </a:ext>
+            </a:extLst>
+          </p:cNvPr>
+          <p:cNvPicPr>
+            <a:picLocks noGrp="1" noChangeAspect="1"/>
+          </p:cNvPicPr>
+          <p:nvPr>
+            <p:ph idx="1"/>
+          </p:nvPr>
+        </p:nvPicPr>
+        <p:blipFill>
+          <a:blip r:embed="rId2"/>
+          <a:stretch>
+            <a:fillRect/>
+          </a:stretch>
+        </p:blipFill>
+        <p:spPr>
+          <a:xfrm>
+            <a:off x="4687851" y="1567172"/>
+            <a:ext cx="4081930" cy="4545786"/>
+          </a:xfrm>
+        </p:spPr>
+      </p:pic>
+    </p:spTree>
+    <p:extLst>
+      <p:ext uri="{BB962C8B-B14F-4D97-AF65-F5344CB8AC3E}">
+        <p14:creationId xmlns:p14="http://schemas.microsoft.com/office/powerpoint/2010/main" val="3099202057"/>
       </p:ext>
     </p:extLst>
   </p:cSld>
@@ -8908,43 +9415,43 @@
           <a:bodyPr/>
           <a:lstStyle/>
           <a:p>
+            <a:pPr algn="ctr"/>
             <a:r>
               <a:rPr lang="en-US" dirty="0"/>
-              <a:t>Sequence Diagram</a:t>
-            </a:r>
-          </a:p>
-        </p:txBody>
-      </p:sp>
-      <p:sp>
-        <p:nvSpPr>
-          <p:cNvPr id="3" name="Content Placeholder 2">
+              <a:t>System Sequence Diagram</a:t>
+            </a:r>
+          </a:p>
+        </p:txBody>
+      </p:sp>
+      <p:pic>
+        <p:nvPicPr>
+          <p:cNvPr id="5" name="Content Placeholder 4" descr="A screenshot of a cell phone&#10;&#10;Description automatically generated">
             <a:extLst>
               <a:ext uri="{FF2B5EF4-FFF2-40B4-BE49-F238E27FC236}">
-                <a16:creationId xmlns:a16="http://schemas.microsoft.com/office/drawing/2014/main" id="{17475DFD-7E9B-4010-A183-DF167E83ABEA}"/>
+                <a16:creationId xmlns:a16="http://schemas.microsoft.com/office/drawing/2014/main" id="{EDCF70CC-8288-4685-B32D-AA9F985B764E}"/>
               </a:ext>
             </a:extLst>
           </p:cNvPr>
-          <p:cNvSpPr>
-            <a:spLocks noGrp="1"/>
-          </p:cNvSpPr>
+          <p:cNvPicPr>
+            <a:picLocks noGrp="1" noChangeAspect="1"/>
+          </p:cNvPicPr>
           <p:nvPr>
             <p:ph idx="1"/>
           </p:nvPr>
-        </p:nvSpPr>
+        </p:nvPicPr>
+        <p:blipFill>
+          <a:blip r:embed="rId2"/>
+          <a:stretch>
+            <a:fillRect/>
+          </a:stretch>
+        </p:blipFill>
         <p:spPr>
           <a:xfrm>
-            <a:off x="2665506" y="1356659"/>
-            <a:ext cx="9377082" cy="5313082"/>
+            <a:off x="4490558" y="1357313"/>
+            <a:ext cx="5727071" cy="5311775"/>
           </a:xfrm>
         </p:spPr>
-        <p:txBody>
-          <a:bodyPr/>
-          <a:lstStyle/>
-          <a:p>
-            <a:endParaRPr lang="en-US" dirty="0"/>
-          </a:p>
-        </p:txBody>
-      </p:sp>
+      </p:pic>
     </p:spTree>
     <p:extLst>
       <p:ext uri="{BB962C8B-B14F-4D97-AF65-F5344CB8AC3E}">
@@ -8980,7 +9487,7 @@
           <p:cNvPr id="2" name="Title 1">
             <a:extLst>
               <a:ext uri="{FF2B5EF4-FFF2-40B4-BE49-F238E27FC236}">
-                <a16:creationId xmlns:a16="http://schemas.microsoft.com/office/drawing/2014/main" id="{3796F472-68B7-4FC6-A467-40638B05F29B}"/>
+                <a16:creationId xmlns:a16="http://schemas.microsoft.com/office/drawing/2014/main" id="{5BD6DF9D-38AD-4A9B-AB62-2DA2F90D46D2}"/>
               </a:ext>
             </a:extLst>
           </p:cNvPr>
@@ -8993,29 +9500,28 @@
         </p:nvSpPr>
         <p:spPr>
           <a:xfrm>
-            <a:off x="2598901" y="140016"/>
-            <a:ext cx="8911687" cy="639963"/>
+            <a:off x="2586948" y="367122"/>
+            <a:ext cx="8911687" cy="648878"/>
           </a:xfrm>
         </p:spPr>
         <p:txBody>
-          <a:bodyPr>
-            <a:normAutofit fontScale="90000"/>
-          </a:bodyPr>
+          <a:bodyPr/>
           <a:lstStyle/>
           <a:p>
+            <a:pPr algn="ctr"/>
             <a:r>
               <a:rPr lang="en-US" dirty="0"/>
-              <a:t>Actors and World class diagram	</a:t>
+              <a:t>Sequence Diagram for kit</a:t>
             </a:r>
           </a:p>
         </p:txBody>
       </p:sp>
       <p:pic>
         <p:nvPicPr>
-          <p:cNvPr id="11" name="Content Placeholder 10" descr="A close up of a map&#10;&#10;Description automatically generated">
+          <p:cNvPr id="5" name="Content Placeholder 4" descr="A screenshot of a social media post&#10;&#10;Description automatically generated">
             <a:extLst>
               <a:ext uri="{FF2B5EF4-FFF2-40B4-BE49-F238E27FC236}">
-                <a16:creationId xmlns:a16="http://schemas.microsoft.com/office/drawing/2014/main" id="{D38E85BE-EF43-4B2A-939A-7E89B32334A8}"/>
+                <a16:creationId xmlns:a16="http://schemas.microsoft.com/office/drawing/2014/main" id="{043462CA-CDA4-4E6E-93B4-4E90188D9BA0}"/>
               </a:ext>
             </a:extLst>
           </p:cNvPr>
@@ -9034,15 +9540,15 @@
         </p:blipFill>
         <p:spPr>
           <a:xfrm>
-            <a:off x="2408518" y="592456"/>
-            <a:ext cx="8534400" cy="6311512"/>
+            <a:off x="2414954" y="1318987"/>
+            <a:ext cx="8675077" cy="5381338"/>
           </a:xfrm>
         </p:spPr>
       </p:pic>
     </p:spTree>
     <p:extLst>
       <p:ext uri="{BB962C8B-B14F-4D97-AF65-F5344CB8AC3E}">
-        <p14:creationId xmlns:p14="http://schemas.microsoft.com/office/powerpoint/2010/main" val="2261468395"/>
+        <p14:creationId xmlns:p14="http://schemas.microsoft.com/office/powerpoint/2010/main" val="1877701357"/>
       </p:ext>
     </p:extLst>
   </p:cSld>
@@ -9074,7 +9580,7 @@
           <p:cNvPr id="2" name="Title 1">
             <a:extLst>
               <a:ext uri="{FF2B5EF4-FFF2-40B4-BE49-F238E27FC236}">
-                <a16:creationId xmlns:a16="http://schemas.microsoft.com/office/drawing/2014/main" id="{E0B304FB-9829-47AB-B307-6EAF8BADEC31}"/>
+                <a16:creationId xmlns:a16="http://schemas.microsoft.com/office/drawing/2014/main" id="{0145AE3C-9379-4D12-9C9E-C5EDDB0B204F}"/>
               </a:ext>
             </a:extLst>
           </p:cNvPr>
@@ -9087,27 +9593,28 @@
         </p:nvSpPr>
         <p:spPr>
           <a:xfrm>
-            <a:off x="2694525" y="116110"/>
-            <a:ext cx="8911687" cy="666808"/>
+            <a:off x="2574995" y="257993"/>
+            <a:ext cx="8911687" cy="678761"/>
           </a:xfrm>
         </p:spPr>
         <p:txBody>
           <a:bodyPr/>
           <a:lstStyle/>
           <a:p>
+            <a:pPr algn="ctr"/>
             <a:r>
               <a:rPr lang="en-US" dirty="0"/>
-              <a:t>Level State Diagram</a:t>
+              <a:t>Sequence Diagram for Gun</a:t>
             </a:r>
           </a:p>
         </p:txBody>
       </p:sp>
       <p:pic>
         <p:nvPicPr>
-          <p:cNvPr id="5" name="Content Placeholder 4" descr="A screenshot of a cell phone&#10;&#10;Description automatically generated">
+          <p:cNvPr id="5" name="Content Placeholder 4" descr="A close up of a map&#10;&#10;Description automatically generated">
             <a:extLst>
               <a:ext uri="{FF2B5EF4-FFF2-40B4-BE49-F238E27FC236}">
-                <a16:creationId xmlns:a16="http://schemas.microsoft.com/office/drawing/2014/main" id="{A7A34AF6-6CD9-4B78-81CC-2AB8A22CE9F2}"/>
+                <a16:creationId xmlns:a16="http://schemas.microsoft.com/office/drawing/2014/main" id="{0550336C-B169-473F-9398-64995BB7F713}"/>
               </a:ext>
             </a:extLst>
           </p:cNvPr>
@@ -9126,15 +9633,15 @@
         </p:blipFill>
         <p:spPr>
           <a:xfrm>
-            <a:off x="3071907" y="968111"/>
-            <a:ext cx="6119906" cy="5916023"/>
+            <a:off x="2922494" y="976334"/>
+            <a:ext cx="7398871" cy="5657961"/>
           </a:xfrm>
         </p:spPr>
       </p:pic>
     </p:spTree>
     <p:extLst>
       <p:ext uri="{BB962C8B-B14F-4D97-AF65-F5344CB8AC3E}">
-        <p14:creationId xmlns:p14="http://schemas.microsoft.com/office/powerpoint/2010/main" val="1323228715"/>
+        <p14:creationId xmlns:p14="http://schemas.microsoft.com/office/powerpoint/2010/main" val="3182219222"/>
       </p:ext>
     </p:extLst>
   </p:cSld>
@@ -9166,7 +9673,7 @@
           <p:cNvPr id="2" name="Title 1">
             <a:extLst>
               <a:ext uri="{FF2B5EF4-FFF2-40B4-BE49-F238E27FC236}">
-                <a16:creationId xmlns:a16="http://schemas.microsoft.com/office/drawing/2014/main" id="{9C4064AC-87DB-4D73-BD49-9E51CAB85E8E}"/>
+                <a16:creationId xmlns:a16="http://schemas.microsoft.com/office/drawing/2014/main" id="{7D076B43-D661-419B-B2B7-DC7D367DA67B}"/>
               </a:ext>
             </a:extLst>
           </p:cNvPr>
@@ -9179,27 +9686,30 @@
         </p:nvSpPr>
         <p:spPr>
           <a:xfrm>
-            <a:off x="2592925" y="181851"/>
-            <a:ext cx="8911687" cy="666808"/>
+            <a:off x="2545113" y="327154"/>
+            <a:ext cx="8911687" cy="618996"/>
           </a:xfrm>
         </p:spPr>
         <p:txBody>
-          <a:bodyPr/>
+          <a:bodyPr>
+            <a:normAutofit fontScale="90000"/>
+          </a:bodyPr>
           <a:lstStyle/>
           <a:p>
+            <a:pPr algn="ctr"/>
             <a:r>
               <a:rPr lang="en-US" dirty="0"/>
-              <a:t>Human State Diagram</a:t>
+              <a:t>Sequence Diagram for Sword</a:t>
             </a:r>
           </a:p>
         </p:txBody>
       </p:sp>
       <p:pic>
         <p:nvPicPr>
-          <p:cNvPr id="5" name="Content Placeholder 4" descr="A screenshot of a cell phone&#10;&#10;Description automatically generated">
+          <p:cNvPr id="5" name="Content Placeholder 4" descr="A close up of a map&#10;&#10;Description automatically generated">
             <a:extLst>
               <a:ext uri="{FF2B5EF4-FFF2-40B4-BE49-F238E27FC236}">
-                <a16:creationId xmlns:a16="http://schemas.microsoft.com/office/drawing/2014/main" id="{A4C154A8-C7F9-4994-B758-780295192CC8}"/>
+                <a16:creationId xmlns:a16="http://schemas.microsoft.com/office/drawing/2014/main" id="{F12F95E8-E666-4B99-A60F-2133C9D498EC}"/>
               </a:ext>
             </a:extLst>
           </p:cNvPr>
@@ -9218,15 +9728,15 @@
         </p:blipFill>
         <p:spPr>
           <a:xfrm>
-            <a:off x="2486212" y="848659"/>
-            <a:ext cx="9590207" cy="5587999"/>
+            <a:off x="2480235" y="948307"/>
+            <a:ext cx="8196673" cy="5518233"/>
           </a:xfrm>
         </p:spPr>
       </p:pic>
     </p:spTree>
     <p:extLst>
       <p:ext uri="{BB962C8B-B14F-4D97-AF65-F5344CB8AC3E}">
-        <p14:creationId xmlns:p14="http://schemas.microsoft.com/office/powerpoint/2010/main" val="2250780605"/>
+        <p14:creationId xmlns:p14="http://schemas.microsoft.com/office/powerpoint/2010/main" val="3759467493"/>
       </p:ext>
     </p:extLst>
   </p:cSld>
